--- a/fall_2022/presentations/Representing Musical Information.pptx
+++ b/fall_2022/presentations/Representing Musical Information.pptx
@@ -5,7 +5,7 @@
     <p:sldMasterId id="2147483728" r:id="rId1"/>
   </p:sldMasterIdLst>
   <p:notesMasterIdLst>
-    <p:notesMasterId r:id="rId29"/>
+    <p:notesMasterId r:id="rId21"/>
   </p:notesMasterIdLst>
   <p:sldIdLst>
     <p:sldId id="256" r:id="rId2"/>
@@ -18,23 +18,15 @@
     <p:sldId id="264" r:id="rId9"/>
     <p:sldId id="265" r:id="rId10"/>
     <p:sldId id="266" r:id="rId11"/>
-    <p:sldId id="267" r:id="rId12"/>
-    <p:sldId id="268" r:id="rId13"/>
-    <p:sldId id="269" r:id="rId14"/>
-    <p:sldId id="270" r:id="rId15"/>
-    <p:sldId id="272" r:id="rId16"/>
-    <p:sldId id="271" r:id="rId17"/>
-    <p:sldId id="274" r:id="rId18"/>
-    <p:sldId id="275" r:id="rId19"/>
-    <p:sldId id="277" r:id="rId20"/>
-    <p:sldId id="278" r:id="rId21"/>
-    <p:sldId id="279" r:id="rId22"/>
-    <p:sldId id="280" r:id="rId23"/>
-    <p:sldId id="281" r:id="rId24"/>
-    <p:sldId id="282" r:id="rId25"/>
-    <p:sldId id="283" r:id="rId26"/>
-    <p:sldId id="284" r:id="rId27"/>
-    <p:sldId id="285" r:id="rId28"/>
+    <p:sldId id="269" r:id="rId12"/>
+    <p:sldId id="270" r:id="rId13"/>
+    <p:sldId id="272" r:id="rId14"/>
+    <p:sldId id="271" r:id="rId15"/>
+    <p:sldId id="274" r:id="rId16"/>
+    <p:sldId id="275" r:id="rId17"/>
+    <p:sldId id="277" r:id="rId18"/>
+    <p:sldId id="278" r:id="rId19"/>
+    <p:sldId id="281" r:id="rId20"/>
   </p:sldIdLst>
   <p:sldSz cx="13004800" cy="9753600"/>
   <p:notesSz cx="6858000" cy="9144000"/>
@@ -466,7 +458,7 @@
           <a:p>
             <a:fld id="{9AB3A824-1A51-4B26-AD58-A6D8E14F6C04}" type="datetimeFigureOut">
               <a:rPr lang="en-US" smtClean="0"/>
-              <a:t>8/16/21</a:t>
+              <a:t>9/13/22</a:t>
             </a:fld>
             <a:endParaRPr lang="en-US" dirty="0"/>
           </a:p>
@@ -801,7 +793,7 @@
           <a:p>
             <a:fld id="{D857E33E-8B18-4087-B112-809917729534}" type="datetimeFigureOut">
               <a:rPr lang="en-US" smtClean="0"/>
-              <a:t>8/16/21</a:t>
+              <a:t>9/13/22</a:t>
             </a:fld>
             <a:endParaRPr lang="en-US" dirty="0"/>
           </a:p>
@@ -986,7 +978,7 @@
           <a:p>
             <a:fld id="{D3FFE419-2371-464F-8239-3959401C3561}" type="datetimeFigureOut">
               <a:rPr lang="en-US" smtClean="0"/>
-              <a:t>8/16/21</a:t>
+              <a:t>9/13/22</a:t>
             </a:fld>
             <a:endParaRPr lang="en-US" dirty="0"/>
           </a:p>
@@ -1339,7 +1331,7 @@
           <a:p>
             <a:fld id="{97D162C4-EDD9-4389-A98B-B87ECEA2A816}" type="datetimeFigureOut">
               <a:rPr lang="en-US" smtClean="0"/>
-              <a:t>8/16/21</a:t>
+              <a:t>9/13/22</a:t>
             </a:fld>
             <a:endParaRPr lang="en-US" dirty="0"/>
           </a:p>
@@ -1621,7 +1613,7 @@
           <a:p>
             <a:fld id="{3E5059C3-6A89-4494-99FF-5A4D6FFD50EB}" type="datetimeFigureOut">
               <a:rPr lang="en-US" smtClean="0"/>
-              <a:t>8/16/21</a:t>
+              <a:t>9/13/22</a:t>
             </a:fld>
             <a:endParaRPr lang="en-US" dirty="0"/>
           </a:p>
@@ -2074,7 +2066,7 @@
           <a:p>
             <a:fld id="{CA954B2F-12DE-47F5-8894-472B206D2E1E}" type="datetimeFigureOut">
               <a:rPr lang="en-US" smtClean="0"/>
-              <a:t>8/16/21</a:t>
+              <a:t>9/13/22</a:t>
             </a:fld>
             <a:endParaRPr lang="en-US" dirty="0"/>
           </a:p>
@@ -2556,7 +2548,7 @@
           <a:p>
             <a:fld id="{3F30E46F-7819-4ACF-B48B-48222C2ACC88}" type="datetimeFigureOut">
               <a:rPr lang="en-US" smtClean="0"/>
-              <a:t>8/16/21</a:t>
+              <a:t>9/13/22</a:t>
             </a:fld>
             <a:endParaRPr lang="en-US" dirty="0"/>
           </a:p>
@@ -2678,7 +2670,7 @@
           <a:p>
             <a:fld id="{1FAF3416-4057-4DAA-829D-4CA07428D088}" type="datetimeFigureOut">
               <a:rPr lang="en-US" smtClean="0"/>
-              <a:t>8/16/21</a:t>
+              <a:t>9/13/22</a:t>
             </a:fld>
             <a:endParaRPr lang="en-US" dirty="0"/>
           </a:p>
@@ -2778,7 +2770,7 @@
           <a:p>
             <a:fld id="{921D9284-D300-4297-87F7-E791DCC15DB1}" type="datetimeFigureOut">
               <a:rPr lang="en-US" smtClean="0"/>
-              <a:t>8/16/21</a:t>
+              <a:t>9/13/22</a:t>
             </a:fld>
             <a:endParaRPr lang="en-US" dirty="0"/>
           </a:p>
@@ -3131,7 +3123,7 @@
           <a:p>
             <a:fld id="{37D525BB-DA17-4BA0-B3C8-3AC3ABC827E6}" type="datetimeFigureOut">
               <a:rPr lang="en-US" smtClean="0"/>
-              <a:t>8/16/21</a:t>
+              <a:t>9/13/22</a:t>
             </a:fld>
             <a:endParaRPr lang="en-US" dirty="0"/>
           </a:p>
@@ -3564,7 +3556,7 @@
           <a:p>
             <a:fld id="{B16C4C9A-3960-41CF-A4E9-2A8FB932454B}" type="datetimeFigureOut">
               <a:rPr lang="en-US" smtClean="0"/>
-              <a:t>8/16/21</a:t>
+              <a:t>9/13/22</a:t>
             </a:fld>
             <a:endParaRPr lang="en-US" dirty="0"/>
           </a:p>
@@ -3884,7 +3876,7 @@
             <a:fld id="{3CBC1C18-307B-4F68-A007-B5B542270E8D}" type="datetimeFigureOut">
               <a:rPr lang="en-US" smtClean="0"/>
               <a:pPr/>
-              <a:t>8/16/21</a:t>
+              <a:t>9/13/22</a:t>
             </a:fld>
             <a:endParaRPr lang="en-US" dirty="0"/>
           </a:p>
@@ -4933,227 +4925,6 @@
 <file path=ppt/slides/slide11.xml><?xml version="1.0" encoding="utf-8"?>
 <p:sld xmlns:a="http://schemas.openxmlformats.org/drawingml/2006/main" xmlns:r="http://schemas.openxmlformats.org/officeDocument/2006/relationships" xmlns:p="http://schemas.openxmlformats.org/presentationml/2006/main">
   <p:cSld>
-    <p:spTree>
-      <p:nvGrpSpPr>
-        <p:cNvPr id="1" name=""/>
-        <p:cNvGrpSpPr/>
-        <p:nvPr/>
-      </p:nvGrpSpPr>
-      <p:grpSpPr>
-        <a:xfrm>
-          <a:off x="0" y="0"/>
-          <a:ext cx="0" cy="0"/>
-          <a:chOff x="0" y="0"/>
-          <a:chExt cx="0" cy="0"/>
-        </a:xfrm>
-      </p:grpSpPr>
-      <p:sp>
-        <p:nvSpPr>
-          <p:cNvPr id="170" name="Why MIDI?"/>
-          <p:cNvSpPr txBox="1">
-            <a:spLocks noGrp="1"/>
-          </p:cNvSpPr>
-          <p:nvPr>
-            <p:ph type="title"/>
-          </p:nvPr>
-        </p:nvSpPr>
-        <p:spPr>
-          <a:prstGeom prst="rect">
-            <a:avLst/>
-          </a:prstGeom>
-        </p:spPr>
-        <p:txBody>
-          <a:bodyPr/>
-          <a:lstStyle/>
-          <a:p>
-            <a:r>
-              <a:t>Why MIDI?</a:t>
-            </a:r>
-          </a:p>
-        </p:txBody>
-      </p:sp>
-      <p:sp>
-        <p:nvSpPr>
-          <p:cNvPr id="171" name="1984 - Macintosh computer…"/>
-          <p:cNvSpPr txBox="1">
-            <a:spLocks noGrp="1"/>
-          </p:cNvSpPr>
-          <p:nvPr>
-            <p:ph type="body" idx="1"/>
-          </p:nvPr>
-        </p:nvSpPr>
-        <p:spPr>
-          <a:prstGeom prst="rect">
-            <a:avLst/>
-          </a:prstGeom>
-        </p:spPr>
-        <p:txBody>
-          <a:bodyPr/>
-          <a:lstStyle/>
-          <a:p>
-            <a:r>
-              <a:t>1984 - Macintosh computer</a:t>
-            </a:r>
-          </a:p>
-          <a:p>
-            <a:r>
-              <a:t>1985 - MIDI protocol</a:t>
-            </a:r>
-          </a:p>
-          <a:p>
-            <a:pPr lvl="1"/>
-            <a:r>
-              <a:t>people realized that computers could “read” MIDI data</a:t>
-            </a:r>
-          </a:p>
-          <a:p>
-            <a:pPr lvl="1"/>
-            <a:r>
-              <a:t>new kind of music software - the “sequencer”</a:t>
-            </a:r>
-          </a:p>
-        </p:txBody>
-      </p:sp>
-    </p:spTree>
-  </p:cSld>
-  <p:clrMapOvr>
-    <a:masterClrMapping/>
-  </p:clrMapOvr>
-  <mc:AlternateContent xmlns:mc="http://schemas.openxmlformats.org/markup-compatibility/2006" xmlns:p14="http://schemas.microsoft.com/office/powerpoint/2010/main">
-    <mc:Choice Requires="p14">
-      <p:transition p14:dur="0"/>
-    </mc:Choice>
-    <mc:Fallback xmlns="">
-      <p:transition/>
-    </mc:Fallback>
-  </mc:AlternateContent>
-</p:sld>
-</file>
-
-<file path=ppt/slides/slide12.xml><?xml version="1.0" encoding="utf-8"?>
-<p:sld xmlns:a="http://schemas.openxmlformats.org/drawingml/2006/main" xmlns:r="http://schemas.openxmlformats.org/officeDocument/2006/relationships" xmlns:p="http://schemas.openxmlformats.org/presentationml/2006/main">
-  <p:cSld>
-    <p:spTree>
-      <p:nvGrpSpPr>
-        <p:cNvPr id="1" name=""/>
-        <p:cNvGrpSpPr/>
-        <p:nvPr/>
-      </p:nvGrpSpPr>
-      <p:grpSpPr>
-        <a:xfrm>
-          <a:off x="0" y="0"/>
-          <a:ext cx="0" cy="0"/>
-          <a:chOff x="0" y="0"/>
-          <a:chExt cx="0" cy="0"/>
-        </a:xfrm>
-      </p:grpSpPr>
-      <p:sp>
-        <p:nvSpPr>
-          <p:cNvPr id="173" name="Why MIDI?"/>
-          <p:cNvSpPr txBox="1">
-            <a:spLocks noGrp="1"/>
-          </p:cNvSpPr>
-          <p:nvPr>
-            <p:ph type="title"/>
-          </p:nvPr>
-        </p:nvSpPr>
-        <p:spPr>
-          <a:xfrm>
-            <a:off x="1463040" y="975360"/>
-            <a:ext cx="10241280" cy="2113280"/>
-          </a:xfrm>
-        </p:spPr>
-        <p:txBody>
-          <a:bodyPr/>
-          <a:lstStyle/>
-          <a:p>
-            <a:r>
-              <a:rPr lang="en-US"/>
-              <a:t>Why MIDI?</a:t>
-            </a:r>
-          </a:p>
-        </p:txBody>
-      </p:sp>
-      <p:sp>
-        <p:nvSpPr>
-          <p:cNvPr id="174" name="MIDI Sequencers…"/>
-          <p:cNvSpPr txBox="1">
-            <a:spLocks noGrp="1"/>
-          </p:cNvSpPr>
-          <p:nvPr>
-            <p:ph type="body" idx="1"/>
-          </p:nvPr>
-        </p:nvSpPr>
-        <p:spPr>
-          <a:xfrm>
-            <a:off x="1270000" y="2768600"/>
-            <a:ext cx="10464800" cy="5715000"/>
-          </a:xfrm>
-        </p:spPr>
-        <p:txBody>
-          <a:bodyPr/>
-          <a:lstStyle/>
-          <a:p>
-            <a:r>
-              <a:rPr lang="en-US"/>
-              <a:t>MIDI Sequencers</a:t>
-            </a:r>
-          </a:p>
-          <a:p>
-            <a:pPr lvl="1"/>
-            <a:r>
-              <a:rPr lang="en-US"/>
-              <a:t>Read, write, playback MIDI data in time synchronous fashion</a:t>
-            </a:r>
-          </a:p>
-          <a:p>
-            <a:pPr lvl="1"/>
-            <a:r>
-              <a:rPr lang="en-US"/>
-              <a:t>Tape deck metaphor</a:t>
-            </a:r>
-          </a:p>
-          <a:p>
-            <a:r>
-              <a:rPr lang="en-US"/>
-              <a:t>In late 1980s, computer chips became fast enough to handle real-time digital audio</a:t>
-            </a:r>
-          </a:p>
-          <a:p>
-            <a:pPr lvl="1"/>
-            <a:r>
-              <a:rPr lang="en-US"/>
-              <a:t>Digital audio recording and editing apps</a:t>
-            </a:r>
-          </a:p>
-          <a:p>
-            <a:pPr lvl="1"/>
-            <a:r>
-              <a:rPr lang="en-US"/>
-              <a:t>By late 1990s, DAR and MIDI apps merged</a:t>
-            </a:r>
-          </a:p>
-        </p:txBody>
-      </p:sp>
-    </p:spTree>
-  </p:cSld>
-  <p:clrMapOvr>
-    <a:masterClrMapping/>
-  </p:clrMapOvr>
-  <mc:AlternateContent xmlns:mc="http://schemas.openxmlformats.org/markup-compatibility/2006" xmlns:p14="http://schemas.microsoft.com/office/powerpoint/2010/main">
-    <mc:Choice Requires="p14">
-      <p:transition p14:dur="0"/>
-    </mc:Choice>
-    <mc:Fallback xmlns="">
-      <p:transition/>
-    </mc:Fallback>
-  </mc:AlternateContent>
-</p:sld>
-</file>
-
-<file path=ppt/slides/slide13.xml><?xml version="1.0" encoding="utf-8"?>
-<p:sld xmlns:a="http://schemas.openxmlformats.org/drawingml/2006/main" xmlns:r="http://schemas.openxmlformats.org/officeDocument/2006/relationships" xmlns:p="http://schemas.openxmlformats.org/presentationml/2006/main">
-  <p:cSld>
     <p:bg>
       <p:bgPr>
         <a:solidFill>
@@ -5594,7 +5365,7 @@
 </p:sld>
 </file>
 
-<file path=ppt/slides/slide14.xml><?xml version="1.0" encoding="utf-8"?>
+<file path=ppt/slides/slide12.xml><?xml version="1.0" encoding="utf-8"?>
 <p:sld xmlns:a="http://schemas.openxmlformats.org/drawingml/2006/main" xmlns:r="http://schemas.openxmlformats.org/officeDocument/2006/relationships" xmlns:p="http://schemas.openxmlformats.org/presentationml/2006/main">
   <p:cSld>
     <p:bg>
@@ -6142,6 +5913,263 @@
                 <a:srgbClr val="FFFFFF"/>
               </a:solidFill>
             </a:endParaRPr>
+          </a:p>
+        </p:txBody>
+      </p:sp>
+    </p:spTree>
+  </p:cSld>
+  <p:clrMapOvr>
+    <a:masterClrMapping/>
+  </p:clrMapOvr>
+  <mc:AlternateContent xmlns:mc="http://schemas.openxmlformats.org/markup-compatibility/2006" xmlns:p14="http://schemas.microsoft.com/office/powerpoint/2010/main">
+    <mc:Choice Requires="p14">
+      <p:transition p14:dur="0"/>
+    </mc:Choice>
+    <mc:Fallback xmlns="">
+      <p:transition/>
+    </mc:Fallback>
+  </mc:AlternateContent>
+</p:sld>
+</file>
+
+<file path=ppt/slides/slide13.xml><?xml version="1.0" encoding="utf-8"?>
+<p:sld xmlns:a="http://schemas.openxmlformats.org/drawingml/2006/main" xmlns:r="http://schemas.openxmlformats.org/officeDocument/2006/relationships" xmlns:p="http://schemas.openxmlformats.org/presentationml/2006/main">
+  <p:cSld>
+    <p:spTree>
+      <p:nvGrpSpPr>
+        <p:cNvPr id="1" name=""/>
+        <p:cNvGrpSpPr/>
+        <p:nvPr/>
+      </p:nvGrpSpPr>
+      <p:grpSpPr>
+        <a:xfrm>
+          <a:off x="0" y="0"/>
+          <a:ext cx="0" cy="0"/>
+          <a:chOff x="0" y="0"/>
+          <a:chExt cx="0" cy="0"/>
+        </a:xfrm>
+      </p:grpSpPr>
+      <p:sp>
+        <p:nvSpPr>
+          <p:cNvPr id="185" name="Bits &amp; Bytes"/>
+          <p:cNvSpPr txBox="1">
+            <a:spLocks noGrp="1"/>
+          </p:cNvSpPr>
+          <p:nvPr>
+            <p:ph type="title"/>
+          </p:nvPr>
+        </p:nvSpPr>
+        <p:spPr>
+          <a:xfrm>
+            <a:off x="1463040" y="975360"/>
+            <a:ext cx="10241280" cy="2113280"/>
+          </a:xfrm>
+        </p:spPr>
+        <p:txBody>
+          <a:bodyPr/>
+          <a:lstStyle/>
+          <a:p>
+            <a:r>
+              <a:rPr lang="en-US" dirty="0"/>
+              <a:t>Bits &amp; Bytes</a:t>
+            </a:r>
+          </a:p>
+        </p:txBody>
+      </p:sp>
+      <p:sp>
+        <p:nvSpPr>
+          <p:cNvPr id="186" name="Byte…"/>
+          <p:cNvSpPr txBox="1">
+            <a:spLocks noGrp="1"/>
+          </p:cNvSpPr>
+          <p:nvPr>
+            <p:ph type="body" idx="1"/>
+          </p:nvPr>
+        </p:nvSpPr>
+        <p:spPr>
+          <a:xfrm>
+            <a:off x="1270000" y="2768600"/>
+            <a:ext cx="10464800" cy="5715000"/>
+          </a:xfrm>
+        </p:spPr>
+        <p:txBody>
+          <a:bodyPr>
+            <a:normAutofit/>
+          </a:bodyPr>
+          <a:lstStyle/>
+          <a:p>
+            <a:r>
+              <a:rPr lang="en-US" dirty="0"/>
+              <a:t>Bits</a:t>
+            </a:r>
+          </a:p>
+          <a:p>
+            <a:pPr lvl="1"/>
+            <a:r>
+              <a:rPr lang="en-US" dirty="0"/>
+              <a:t>Bits are binary digit spaces (0 or 1)</a:t>
+            </a:r>
+          </a:p>
+          <a:p>
+            <a:r>
+              <a:rPr lang="en-US" dirty="0"/>
+              <a:t>Byte</a:t>
+            </a:r>
+          </a:p>
+          <a:p>
+            <a:pPr lvl="1"/>
+            <a:r>
+              <a:rPr lang="en-US" dirty="0"/>
+              <a:t>a single piece of data (datum)</a:t>
+            </a:r>
+          </a:p>
+          <a:p>
+            <a:pPr lvl="1"/>
+            <a:r>
+              <a:rPr lang="en-US" dirty="0"/>
+              <a:t>Each byte is sized by the number of bits</a:t>
+            </a:r>
+          </a:p>
+          <a:p>
+            <a:pPr lvl="1"/>
+            <a:r>
+              <a:rPr lang="en-US" dirty="0"/>
+              <a:t>8-bit datum can represent 256 states (2^8)</a:t>
+            </a:r>
+          </a:p>
+          <a:p>
+            <a:pPr lvl="1"/>
+            <a:r>
+              <a:rPr lang="en-US" dirty="0"/>
+              <a:t>16-bit datum can represent 65,536 states (2^16)</a:t>
+            </a:r>
+          </a:p>
+        </p:txBody>
+      </p:sp>
+    </p:spTree>
+  </p:cSld>
+  <p:clrMapOvr>
+    <a:masterClrMapping/>
+  </p:clrMapOvr>
+  <mc:AlternateContent xmlns:mc="http://schemas.openxmlformats.org/markup-compatibility/2006" xmlns:p14="http://schemas.microsoft.com/office/powerpoint/2010/main">
+    <mc:Choice Requires="p14">
+      <p:transition p14:dur="0"/>
+    </mc:Choice>
+    <mc:Fallback xmlns="">
+      <p:transition/>
+    </mc:Fallback>
+  </mc:AlternateContent>
+</p:sld>
+</file>
+
+<file path=ppt/slides/slide14.xml><?xml version="1.0" encoding="utf-8"?>
+<p:sld xmlns:a="http://schemas.openxmlformats.org/drawingml/2006/main" xmlns:r="http://schemas.openxmlformats.org/officeDocument/2006/relationships" xmlns:p="http://schemas.openxmlformats.org/presentationml/2006/main">
+  <p:cSld>
+    <p:spTree>
+      <p:nvGrpSpPr>
+        <p:cNvPr id="1" name=""/>
+        <p:cNvGrpSpPr/>
+        <p:nvPr/>
+      </p:nvGrpSpPr>
+      <p:grpSpPr>
+        <a:xfrm>
+          <a:off x="0" y="0"/>
+          <a:ext cx="0" cy="0"/>
+          <a:chOff x="0" y="0"/>
+          <a:chExt cx="0" cy="0"/>
+        </a:xfrm>
+      </p:grpSpPr>
+      <p:sp>
+        <p:nvSpPr>
+          <p:cNvPr id="182" name="MIDI Protocol"/>
+          <p:cNvSpPr txBox="1">
+            <a:spLocks noGrp="1"/>
+          </p:cNvSpPr>
+          <p:nvPr>
+            <p:ph type="title"/>
+          </p:nvPr>
+        </p:nvSpPr>
+        <p:spPr>
+          <a:xfrm>
+            <a:off x="1463040" y="975360"/>
+            <a:ext cx="10241280" cy="2113280"/>
+          </a:xfrm>
+        </p:spPr>
+        <p:txBody>
+          <a:bodyPr/>
+          <a:lstStyle/>
+          <a:p>
+            <a:r>
+              <a:rPr lang="en-US"/>
+              <a:t>MIDI Protocol</a:t>
+            </a:r>
+          </a:p>
+        </p:txBody>
+      </p:sp>
+      <p:sp>
+        <p:nvSpPr>
+          <p:cNvPr id="183" name="8-bit data structure…"/>
+          <p:cNvSpPr txBox="1">
+            <a:spLocks noGrp="1"/>
+          </p:cNvSpPr>
+          <p:nvPr>
+            <p:ph type="body" idx="1"/>
+          </p:nvPr>
+        </p:nvSpPr>
+        <p:spPr>
+          <a:xfrm>
+            <a:off x="1270000" y="2768600"/>
+            <a:ext cx="10464800" cy="5715000"/>
+          </a:xfrm>
+        </p:spPr>
+        <p:txBody>
+          <a:bodyPr/>
+          <a:lstStyle/>
+          <a:p>
+            <a:r>
+              <a:rPr lang="en-US" dirty="0"/>
+              <a:t>8-bit data structure</a:t>
+            </a:r>
+          </a:p>
+          <a:p>
+            <a:r>
+              <a:rPr lang="en-US" dirty="0"/>
+              <a:t>Standardized set of “message” types</a:t>
+            </a:r>
+          </a:p>
+          <a:p>
+            <a:pPr lvl="1"/>
+            <a:r>
+              <a:rPr lang="en-US" dirty="0"/>
+              <a:t>Note On</a:t>
+            </a:r>
+          </a:p>
+          <a:p>
+            <a:pPr lvl="1"/>
+            <a:r>
+              <a:rPr lang="en-US" dirty="0"/>
+              <a:t>Note Off</a:t>
+            </a:r>
+          </a:p>
+          <a:p>
+            <a:pPr lvl="1"/>
+            <a:r>
+              <a:rPr lang="en-US" dirty="0"/>
+              <a:t>Continuous Controller</a:t>
+            </a:r>
+          </a:p>
+          <a:p>
+            <a:pPr lvl="1"/>
+            <a:r>
+              <a:rPr lang="en-US" dirty="0"/>
+              <a:t>Program Change</a:t>
+            </a:r>
+          </a:p>
+          <a:p>
+            <a:r>
+              <a:rPr lang="en-US" dirty="0"/>
+              <a:t>Each message type consists of one, two or three bytes</a:t>
+            </a:r>
           </a:p>
         </p:txBody>
       </p:sp>
@@ -6180,7 +6208,7 @@
       </p:grpSpPr>
       <p:sp>
         <p:nvSpPr>
-          <p:cNvPr id="185" name="Bits &amp; Bytes"/>
+          <p:cNvPr id="191" name="MIDI Protocol"/>
           <p:cNvSpPr txBox="1">
             <a:spLocks noGrp="1"/>
           </p:cNvSpPr>
@@ -6199,15 +6227,15 @@
           <a:lstStyle/>
           <a:p>
             <a:r>
-              <a:rPr lang="en-US" dirty="0"/>
-              <a:t>Bits &amp; Bytes</a:t>
-            </a:r>
-          </a:p>
-        </p:txBody>
-      </p:sp>
-      <p:sp>
-        <p:nvSpPr>
-          <p:cNvPr id="186" name="Byte…"/>
+              <a:rPr lang="en-US"/>
+              <a:t>MIDI Protocol</a:t>
+            </a:r>
+          </a:p>
+        </p:txBody>
+      </p:sp>
+      <p:sp>
+        <p:nvSpPr>
+          <p:cNvPr id="192" name="Hexadecimal Representation…"/>
           <p:cNvSpPr txBox="1">
             <a:spLocks noGrp="1"/>
           </p:cNvSpPr>
@@ -6229,48 +6257,35 @@
           <a:p>
             <a:r>
               <a:rPr lang="en-US" dirty="0"/>
-              <a:t>Bits</a:t>
+              <a:t>Messaging is best represented in Hexadecimal (base 16)</a:t>
             </a:r>
           </a:p>
           <a:p>
             <a:pPr lvl="1"/>
             <a:r>
               <a:rPr lang="en-US" dirty="0"/>
-              <a:t>Bits are binary digit spaces (0 or 1)</a:t>
-            </a:r>
-          </a:p>
-          <a:p>
+              <a:t>Base 16</a:t>
+            </a:r>
+          </a:p>
+          <a:p>
+            <a:pPr lvl="1"/>
             <a:r>
               <a:rPr lang="en-US" dirty="0"/>
-              <a:t>Byte</a:t>
+              <a:t>0, 1, 2, 3, 4, 5, 6, 7, 8, 9, A, B, C, D, E, F</a:t>
             </a:r>
           </a:p>
           <a:p>
             <a:pPr lvl="1"/>
             <a:r>
               <a:rPr lang="en-US" dirty="0"/>
-              <a:t>a single piece of data (datum)</a:t>
+              <a:t>Use $ or 0x as prefix</a:t>
             </a:r>
           </a:p>
           <a:p>
             <a:pPr lvl="1"/>
             <a:r>
               <a:rPr lang="en-US" dirty="0"/>
-              <a:t>Each byte is sized by the number of bits</a:t>
-            </a:r>
-          </a:p>
-          <a:p>
-            <a:pPr lvl="1"/>
-            <a:r>
-              <a:rPr lang="en-US" dirty="0"/>
-              <a:t>8-bit datum can represent 256 states (2^8)</a:t>
-            </a:r>
-          </a:p>
-          <a:p>
-            <a:pPr lvl="1"/>
-            <a:r>
-              <a:rPr lang="en-US" dirty="0"/>
-              <a:t>16-bit datum can represent 65,536 states (2^16)</a:t>
+              <a:t>$90 = 1001 0000 = 2^7 + 2^4 = 128 + 16 = 144</a:t>
             </a:r>
           </a:p>
         </p:txBody>
@@ -6310,7 +6325,7 @@
       </p:grpSpPr>
       <p:sp>
         <p:nvSpPr>
-          <p:cNvPr id="182" name="MIDI Protocol"/>
+          <p:cNvPr id="194" name="MIDI Messages"/>
           <p:cNvSpPr txBox="1">
             <a:spLocks noGrp="1"/>
           </p:cNvSpPr>
@@ -6329,15 +6344,15 @@
           <a:lstStyle/>
           <a:p>
             <a:r>
-              <a:rPr lang="en-US"/>
-              <a:t>MIDI Protocol</a:t>
-            </a:r>
-          </a:p>
-        </p:txBody>
-      </p:sp>
-      <p:sp>
-        <p:nvSpPr>
-          <p:cNvPr id="183" name="8-bit data structure…"/>
+              <a:rPr lang="en-US" dirty="0"/>
+              <a:t>MIDI Messages</a:t>
+            </a:r>
+          </a:p>
+        </p:txBody>
+      </p:sp>
+      <p:sp>
+        <p:nvSpPr>
+          <p:cNvPr id="195" name="MIDI messages contain a status byte (or command byte) and data byte(s)…"/>
           <p:cNvSpPr txBox="1">
             <a:spLocks noGrp="1"/>
           </p:cNvSpPr>
@@ -6352,52 +6367,130 @@
           </a:xfrm>
         </p:spPr>
         <p:txBody>
-          <a:bodyPr/>
+          <a:bodyPr>
+            <a:normAutofit/>
+          </a:bodyPr>
           <a:lstStyle/>
           <a:p>
             <a:r>
               <a:rPr lang="en-US" dirty="0"/>
-              <a:t>8-bit data structure</a:t>
+              <a:t>MIDI messages contain a status byte (or command byte) and data byte(s)</a:t>
             </a:r>
           </a:p>
           <a:p>
             <a:r>
               <a:rPr lang="en-US" dirty="0"/>
-              <a:t>Standardized set of “message” types</a:t>
+              <a:t>Status bytes have two components</a:t>
             </a:r>
           </a:p>
           <a:p>
             <a:pPr lvl="1"/>
             <a:r>
               <a:rPr lang="en-US" dirty="0"/>
-              <a:t>Note On</a:t>
+              <a:t>MSB = MIDI Command</a:t>
             </a:r>
           </a:p>
           <a:p>
             <a:pPr lvl="1"/>
             <a:r>
               <a:rPr lang="en-US" dirty="0"/>
-              <a:t>Note Off</a:t>
-            </a:r>
-          </a:p>
-          <a:p>
-            <a:pPr lvl="1"/>
+              <a:t>LSB = MIDI “channel”</a:t>
+            </a:r>
+          </a:p>
+          <a:p>
             <a:r>
               <a:rPr lang="en-US" dirty="0"/>
-              <a:t>Continuous Controller</a:t>
-            </a:r>
-          </a:p>
-          <a:p>
-            <a:pPr lvl="1"/>
-            <a:r>
-              <a:rPr lang="en-US" dirty="0"/>
-              <a:t>Program Change</a:t>
-            </a:r>
-          </a:p>
-          <a:p>
-            <a:r>
-              <a:rPr lang="en-US" dirty="0"/>
-              <a:t>Each message type consists of one, two or three bytes</a:t>
+              <a:t>Generic message structure is:</a:t>
+            </a:r>
+          </a:p>
+          <a:p>
+            <a:pPr marL="0" indent="0" algn="ctr">
+              <a:buNone/>
+            </a:pPr>
+            <a:r>
+              <a:rPr lang="en-US" sz="2000" dirty="0">
+                <a:latin typeface="Monaco" pitchFamily="2" charset="77"/>
+              </a:rPr>
+              <a:t>$command-channel $data1 $data2</a:t>
+            </a:r>
+            <a:endParaRPr lang="en-US" sz="2000" dirty="0"/>
+          </a:p>
+        </p:txBody>
+      </p:sp>
+      <p:sp>
+        <p:nvSpPr>
+          <p:cNvPr id="4" name="TextBox 3">
+            <a:extLst>
+              <a:ext uri="{FF2B5EF4-FFF2-40B4-BE49-F238E27FC236}">
+                <a16:creationId xmlns:a16="http://schemas.microsoft.com/office/drawing/2014/main" id="{7015C9C0-FFF5-5E4F-B319-B68A3517BBD2}"/>
+              </a:ext>
+            </a:extLst>
+          </p:cNvPr>
+          <p:cNvSpPr txBox="1"/>
+          <p:nvPr/>
+        </p:nvSpPr>
+        <p:spPr>
+          <a:xfrm>
+            <a:off x="8184630" y="4769450"/>
+            <a:ext cx="3631926" cy="1323439"/>
+          </a:xfrm>
+          <a:prstGeom prst="rect">
+            <a:avLst/>
+          </a:prstGeom>
+          <a:noFill/>
+        </p:spPr>
+        <p:txBody>
+          <a:bodyPr wrap="square" rtlCol="0" anchor="ctr">
+            <a:spAutoFit/>
+          </a:bodyPr>
+          <a:lstStyle/>
+          <a:p>
+            <a:r>
+              <a:rPr lang="en-US" sz="2000" b="1" dirty="0">
+                <a:solidFill>
+                  <a:srgbClr val="FF0000"/>
+                </a:solidFill>
+              </a:rPr>
+              <a:t>1001</a:t>
+            </a:r>
+            <a:r>
+              <a:rPr lang="en-US" sz="2000" dirty="0"/>
+              <a:t> 0000 = 9 =&gt; MSB </a:t>
+            </a:r>
+          </a:p>
+          <a:p>
+            <a:r>
+              <a:rPr lang="en-US" sz="2000" dirty="0"/>
+              <a:t>1001 </a:t>
+            </a:r>
+            <a:r>
+              <a:rPr lang="en-US" sz="2000" b="1" dirty="0">
+                <a:solidFill>
+                  <a:srgbClr val="FF0000"/>
+                </a:solidFill>
+              </a:rPr>
+              <a:t>0000</a:t>
+            </a:r>
+            <a:r>
+              <a:rPr lang="en-US" sz="2000" dirty="0"/>
+              <a:t> = 0 =&gt; LSB</a:t>
+            </a:r>
+          </a:p>
+          <a:p>
+            <a:endParaRPr lang="en-US" sz="2000" dirty="0"/>
+          </a:p>
+          <a:p>
+            <a:r>
+              <a:rPr lang="en-US" sz="2000" dirty="0"/>
+              <a:t>$90 =&gt; </a:t>
+            </a:r>
+            <a:r>
+              <a:rPr lang="en-US" sz="2000" dirty="0" err="1"/>
+              <a:t>NoteOn</a:t>
+            </a:r>
+            <a:r>
+              <a:rPr lang="en-US" sz="2000" dirty="0"/>
+              <a:t>, channel 1</a:t>
             </a:r>
           </a:p>
         </p:txBody>
@@ -6437,7 +6530,7 @@
       </p:grpSpPr>
       <p:sp>
         <p:nvSpPr>
-          <p:cNvPr id="191" name="MIDI Protocol"/>
+          <p:cNvPr id="200" name="Note On"/>
           <p:cNvSpPr txBox="1">
             <a:spLocks noGrp="1"/>
           </p:cNvSpPr>
@@ -6457,14 +6550,14 @@
           <a:p>
             <a:r>
               <a:rPr lang="en-US"/>
-              <a:t>MIDI Protocol</a:t>
-            </a:r>
-          </a:p>
-        </p:txBody>
-      </p:sp>
-      <p:sp>
-        <p:nvSpPr>
-          <p:cNvPr id="192" name="Hexadecimal Representation…"/>
+              <a:t>Note On</a:t>
+            </a:r>
+          </a:p>
+        </p:txBody>
+      </p:sp>
+      <p:sp>
+        <p:nvSpPr>
+          <p:cNvPr id="201" name="Note On - $9x $kk $vv…"/>
           <p:cNvSpPr txBox="1">
             <a:spLocks noGrp="1"/>
           </p:cNvSpPr>
@@ -6479,42 +6572,47 @@
           </a:xfrm>
         </p:spPr>
         <p:txBody>
-          <a:bodyPr>
-            <a:normAutofit/>
-          </a:bodyPr>
+          <a:bodyPr/>
           <a:lstStyle/>
           <a:p>
             <a:r>
-              <a:rPr lang="en-US" dirty="0"/>
-              <a:t>Messaging is best represented in Hexadecimal (base 16)</a:t>
+              <a:rPr lang="en-US"/>
+              <a:t>Note On - $9x $kk $vv</a:t>
             </a:r>
           </a:p>
           <a:p>
             <a:pPr lvl="1"/>
             <a:r>
-              <a:rPr lang="en-US" dirty="0"/>
-              <a:t>Base 16</a:t>
+              <a:rPr lang="en-US"/>
+              <a:t>x = channel number</a:t>
             </a:r>
           </a:p>
           <a:p>
             <a:pPr lvl="1"/>
             <a:r>
-              <a:rPr lang="en-US" dirty="0"/>
-              <a:t>0, 1, 2, 3, 4, 5, 6, 7, 8, 9, A, B, C, D, E, F</a:t>
+              <a:rPr lang="en-US"/>
+              <a:t>kk = MIDI key (0 - 127)</a:t>
+            </a:r>
+          </a:p>
+          <a:p>
+            <a:pPr lvl="2"/>
+            <a:r>
+              <a:rPr lang="en-US"/>
+              <a:t>Middle C = 60</a:t>
             </a:r>
           </a:p>
           <a:p>
             <a:pPr lvl="1"/>
             <a:r>
-              <a:rPr lang="en-US" dirty="0"/>
-              <a:t>Use $ or 0x as prefix</a:t>
-            </a:r>
-          </a:p>
-          <a:p>
-            <a:pPr lvl="1"/>
-            <a:r>
-              <a:rPr lang="en-US" dirty="0"/>
-              <a:t>$90 = 1001 0000 = 2^7 + 2^4 = 128 + 16 = 144</a:t>
+              <a:rPr lang="en-US"/>
+              <a:t>vv = Velocity (0 - 127)</a:t>
+            </a:r>
+          </a:p>
+          <a:p>
+            <a:pPr lvl="2"/>
+            <a:r>
+              <a:rPr lang="en-US"/>
+              <a:t>Velocity 0 =&gt; silent</a:t>
             </a:r>
           </a:p>
         </p:txBody>
@@ -6554,7 +6652,7 @@
       </p:grpSpPr>
       <p:sp>
         <p:nvSpPr>
-          <p:cNvPr id="194" name="MIDI Messages"/>
+          <p:cNvPr id="203" name="Note Off"/>
           <p:cNvSpPr txBox="1">
             <a:spLocks noGrp="1"/>
           </p:cNvSpPr>
@@ -6573,15 +6671,15 @@
           <a:lstStyle/>
           <a:p>
             <a:r>
-              <a:rPr lang="en-US" dirty="0"/>
-              <a:t>MIDI Messages</a:t>
-            </a:r>
-          </a:p>
-        </p:txBody>
-      </p:sp>
-      <p:sp>
-        <p:nvSpPr>
-          <p:cNvPr id="195" name="MIDI messages contain a status byte (or command byte) and data byte(s)…"/>
+              <a:rPr lang="en-US"/>
+              <a:t>Note Off</a:t>
+            </a:r>
+          </a:p>
+        </p:txBody>
+      </p:sp>
+      <p:sp>
+        <p:nvSpPr>
+          <p:cNvPr id="204" name="Note Off - $8x $kk $vv…"/>
           <p:cNvSpPr txBox="1">
             <a:spLocks noGrp="1"/>
           </p:cNvSpPr>
@@ -6596,130 +6694,40 @@
           </a:xfrm>
         </p:spPr>
         <p:txBody>
-          <a:bodyPr>
-            <a:normAutofit/>
-          </a:bodyPr>
+          <a:bodyPr/>
           <a:lstStyle/>
           <a:p>
             <a:r>
-              <a:rPr lang="en-US" dirty="0"/>
-              <a:t>MIDI messages contain a status byte (or command byte) and data byte(s)</a:t>
-            </a:r>
-          </a:p>
-          <a:p>
-            <a:r>
-              <a:rPr lang="en-US" dirty="0"/>
-              <a:t>Status bytes have two components</a:t>
+              <a:rPr lang="en-US"/>
+              <a:t>Note Off - $8x $kk $vv</a:t>
             </a:r>
           </a:p>
           <a:p>
             <a:pPr lvl="1"/>
             <a:r>
-              <a:rPr lang="en-US" dirty="0"/>
-              <a:t>MSB = MIDI Command</a:t>
+              <a:rPr lang="en-US"/>
+              <a:t>x = channel number</a:t>
             </a:r>
           </a:p>
           <a:p>
             <a:pPr lvl="1"/>
             <a:r>
-              <a:rPr lang="en-US" dirty="0"/>
-              <a:t>LSB = MIDI “channel”</a:t>
-            </a:r>
-          </a:p>
-          <a:p>
-            <a:r>
-              <a:rPr lang="en-US" dirty="0"/>
-              <a:t>Generic message structure is:</a:t>
-            </a:r>
-          </a:p>
-          <a:p>
-            <a:pPr marL="0" indent="0" algn="ctr">
-              <a:buNone/>
-            </a:pPr>
-            <a:r>
-              <a:rPr lang="en-US" sz="2000" dirty="0">
-                <a:latin typeface="Monaco" pitchFamily="2" charset="77"/>
-              </a:rPr>
-              <a:t>$command-channel $data1 $data2</a:t>
-            </a:r>
-            <a:endParaRPr lang="en-US" sz="2000" dirty="0"/>
-          </a:p>
-        </p:txBody>
-      </p:sp>
-      <p:sp>
-        <p:nvSpPr>
-          <p:cNvPr id="4" name="TextBox 3">
-            <a:extLst>
-              <a:ext uri="{FF2B5EF4-FFF2-40B4-BE49-F238E27FC236}">
-                <a16:creationId xmlns:a16="http://schemas.microsoft.com/office/drawing/2014/main" id="{7015C9C0-FFF5-5E4F-B319-B68A3517BBD2}"/>
-              </a:ext>
-            </a:extLst>
-          </p:cNvPr>
-          <p:cNvSpPr txBox="1"/>
-          <p:nvPr/>
-        </p:nvSpPr>
-        <p:spPr>
-          <a:xfrm>
-            <a:off x="8184630" y="4769450"/>
-            <a:ext cx="3631926" cy="1323439"/>
-          </a:xfrm>
-          <a:prstGeom prst="rect">
-            <a:avLst/>
-          </a:prstGeom>
-          <a:noFill/>
-        </p:spPr>
-        <p:txBody>
-          <a:bodyPr wrap="square" rtlCol="0" anchor="ctr">
-            <a:spAutoFit/>
-          </a:bodyPr>
-          <a:lstStyle/>
-          <a:p>
-            <a:r>
-              <a:rPr lang="en-US" sz="2000" b="1" dirty="0">
-                <a:solidFill>
-                  <a:srgbClr val="FF0000"/>
-                </a:solidFill>
-              </a:rPr>
-              <a:t>1001</a:t>
-            </a:r>
-            <a:r>
-              <a:rPr lang="en-US" sz="2000" dirty="0"/>
-              <a:t> 0000 = 9 =&gt; MSB </a:t>
-            </a:r>
-          </a:p>
-          <a:p>
-            <a:r>
-              <a:rPr lang="en-US" sz="2000" dirty="0"/>
-              <a:t>1001 </a:t>
-            </a:r>
-            <a:r>
-              <a:rPr lang="en-US" sz="2000" b="1" dirty="0">
-                <a:solidFill>
-                  <a:srgbClr val="FF0000"/>
-                </a:solidFill>
-              </a:rPr>
-              <a:t>0000</a:t>
-            </a:r>
-            <a:r>
-              <a:rPr lang="en-US" sz="2000" dirty="0"/>
-              <a:t> = 0 =&gt; LSB</a:t>
-            </a:r>
-          </a:p>
-          <a:p>
-            <a:endParaRPr lang="en-US" sz="2000" dirty="0"/>
-          </a:p>
-          <a:p>
-            <a:r>
-              <a:rPr lang="en-US" sz="2000" dirty="0"/>
-              <a:t>$90 =&gt; </a:t>
-            </a:r>
-            <a:r>
-              <a:rPr lang="en-US" sz="2000" dirty="0" err="1"/>
-              <a:t>NoteOn</a:t>
-            </a:r>
-            <a:r>
-              <a:rPr lang="en-US" sz="2000" dirty="0"/>
-              <a:t>, channel 1</a:t>
+              <a:rPr lang="en-US"/>
+              <a:t>kk = MIDI note number</a:t>
+            </a:r>
+          </a:p>
+          <a:p>
+            <a:pPr lvl="1"/>
+            <a:r>
+              <a:rPr lang="en-US"/>
+              <a:t>vv = velocity</a:t>
+            </a:r>
+          </a:p>
+          <a:p>
+            <a:pPr lvl="2"/>
+            <a:r>
+              <a:rPr lang="en-US"/>
+              <a:t>assumed to be zero, usually ignored</a:t>
             </a:r>
           </a:p>
         </p:txBody>
@@ -6759,7 +6767,7 @@
       </p:grpSpPr>
       <p:sp>
         <p:nvSpPr>
-          <p:cNvPr id="200" name="Note On"/>
+          <p:cNvPr id="212" name="Program Change"/>
           <p:cNvSpPr txBox="1">
             <a:spLocks noGrp="1"/>
           </p:cNvSpPr>
@@ -6779,14 +6787,14 @@
           <a:p>
             <a:r>
               <a:rPr lang="en-US"/>
-              <a:t>Note On</a:t>
-            </a:r>
-          </a:p>
-        </p:txBody>
-      </p:sp>
-      <p:sp>
-        <p:nvSpPr>
-          <p:cNvPr id="201" name="Note On - $9x $kk $vv…"/>
+              <a:t>Program Change</a:t>
+            </a:r>
+          </a:p>
+        </p:txBody>
+      </p:sp>
+      <p:sp>
+        <p:nvSpPr>
+          <p:cNvPr id="213" name="Program Change = $Cx $pp…"/>
           <p:cNvSpPr txBox="1">
             <a:spLocks noGrp="1"/>
           </p:cNvSpPr>
@@ -6806,7 +6814,7 @@
           <a:p>
             <a:r>
               <a:rPr lang="en-US"/>
-              <a:t>Note On - $9x $kk $vv</a:t>
+              <a:t>Program Change = $Cx $pp</a:t>
             </a:r>
           </a:p>
           <a:p>
@@ -6820,28 +6828,13 @@
             <a:pPr lvl="1"/>
             <a:r>
               <a:rPr lang="en-US"/>
-              <a:t>kk = MIDI key (0 - 127)</a:t>
-            </a:r>
-          </a:p>
-          <a:p>
-            <a:pPr lvl="2"/>
+              <a:t>pp = program number</a:t>
+            </a:r>
+          </a:p>
+          <a:p>
             <a:r>
               <a:rPr lang="en-US"/>
-              <a:t>Middle C = 60</a:t>
-            </a:r>
-          </a:p>
-          <a:p>
-            <a:pPr lvl="1"/>
-            <a:r>
-              <a:rPr lang="en-US"/>
-              <a:t>vv = Velocity (0 - 127)</a:t>
-            </a:r>
-          </a:p>
-          <a:p>
-            <a:pPr lvl="2"/>
-            <a:r>
-              <a:rPr lang="en-US"/>
-              <a:t>Velocity 0 =&gt; silent</a:t>
+              <a:t>Recall saved synthesis patch to synthesizer</a:t>
             </a:r>
           </a:p>
         </p:txBody>
@@ -7205,915 +7198,6 @@
 </p:sld>
 </file>
 
-<file path=ppt/slides/slide20.xml><?xml version="1.0" encoding="utf-8"?>
-<p:sld xmlns:a="http://schemas.openxmlformats.org/drawingml/2006/main" xmlns:r="http://schemas.openxmlformats.org/officeDocument/2006/relationships" xmlns:p="http://schemas.openxmlformats.org/presentationml/2006/main">
-  <p:cSld>
-    <p:spTree>
-      <p:nvGrpSpPr>
-        <p:cNvPr id="1" name=""/>
-        <p:cNvGrpSpPr/>
-        <p:nvPr/>
-      </p:nvGrpSpPr>
-      <p:grpSpPr>
-        <a:xfrm>
-          <a:off x="0" y="0"/>
-          <a:ext cx="0" cy="0"/>
-          <a:chOff x="0" y="0"/>
-          <a:chExt cx="0" cy="0"/>
-        </a:xfrm>
-      </p:grpSpPr>
-      <p:sp>
-        <p:nvSpPr>
-          <p:cNvPr id="203" name="Note Off"/>
-          <p:cNvSpPr txBox="1">
-            <a:spLocks noGrp="1"/>
-          </p:cNvSpPr>
-          <p:nvPr>
-            <p:ph type="title"/>
-          </p:nvPr>
-        </p:nvSpPr>
-        <p:spPr>
-          <a:xfrm>
-            <a:off x="1463040" y="975360"/>
-            <a:ext cx="10241280" cy="2113280"/>
-          </a:xfrm>
-        </p:spPr>
-        <p:txBody>
-          <a:bodyPr/>
-          <a:lstStyle/>
-          <a:p>
-            <a:r>
-              <a:rPr lang="en-US"/>
-              <a:t>Note Off</a:t>
-            </a:r>
-          </a:p>
-        </p:txBody>
-      </p:sp>
-      <p:sp>
-        <p:nvSpPr>
-          <p:cNvPr id="204" name="Note Off - $8x $kk $vv…"/>
-          <p:cNvSpPr txBox="1">
-            <a:spLocks noGrp="1"/>
-          </p:cNvSpPr>
-          <p:nvPr>
-            <p:ph type="body" idx="1"/>
-          </p:nvPr>
-        </p:nvSpPr>
-        <p:spPr>
-          <a:xfrm>
-            <a:off x="1270000" y="2768600"/>
-            <a:ext cx="10464800" cy="5715000"/>
-          </a:xfrm>
-        </p:spPr>
-        <p:txBody>
-          <a:bodyPr/>
-          <a:lstStyle/>
-          <a:p>
-            <a:r>
-              <a:rPr lang="en-US"/>
-              <a:t>Note Off - $8x $kk $vv</a:t>
-            </a:r>
-          </a:p>
-          <a:p>
-            <a:pPr lvl="1"/>
-            <a:r>
-              <a:rPr lang="en-US"/>
-              <a:t>x = channel number</a:t>
-            </a:r>
-          </a:p>
-          <a:p>
-            <a:pPr lvl="1"/>
-            <a:r>
-              <a:rPr lang="en-US"/>
-              <a:t>kk = MIDI note number</a:t>
-            </a:r>
-          </a:p>
-          <a:p>
-            <a:pPr lvl="1"/>
-            <a:r>
-              <a:rPr lang="en-US"/>
-              <a:t>vv = velocity</a:t>
-            </a:r>
-          </a:p>
-          <a:p>
-            <a:pPr lvl="2"/>
-            <a:r>
-              <a:rPr lang="en-US"/>
-              <a:t>assumed to be zero, usually ignored</a:t>
-            </a:r>
-          </a:p>
-        </p:txBody>
-      </p:sp>
-    </p:spTree>
-  </p:cSld>
-  <p:clrMapOvr>
-    <a:masterClrMapping/>
-  </p:clrMapOvr>
-  <mc:AlternateContent xmlns:mc="http://schemas.openxmlformats.org/markup-compatibility/2006" xmlns:p14="http://schemas.microsoft.com/office/powerpoint/2010/main">
-    <mc:Choice Requires="p14">
-      <p:transition p14:dur="0"/>
-    </mc:Choice>
-    <mc:Fallback xmlns="">
-      <p:transition/>
-    </mc:Fallback>
-  </mc:AlternateContent>
-</p:sld>
-</file>
-
-<file path=ppt/slides/slide21.xml><?xml version="1.0" encoding="utf-8"?>
-<p:sld xmlns:a="http://schemas.openxmlformats.org/drawingml/2006/main" xmlns:r="http://schemas.openxmlformats.org/officeDocument/2006/relationships" xmlns:p="http://schemas.openxmlformats.org/presentationml/2006/main">
-  <p:cSld>
-    <p:spTree>
-      <p:nvGrpSpPr>
-        <p:cNvPr id="1" name=""/>
-        <p:cNvGrpSpPr/>
-        <p:nvPr/>
-      </p:nvGrpSpPr>
-      <p:grpSpPr>
-        <a:xfrm>
-          <a:off x="0" y="0"/>
-          <a:ext cx="0" cy="0"/>
-          <a:chOff x="0" y="0"/>
-          <a:chExt cx="0" cy="0"/>
-        </a:xfrm>
-      </p:grpSpPr>
-      <p:sp>
-        <p:nvSpPr>
-          <p:cNvPr id="206" name="Aftertouch"/>
-          <p:cNvSpPr txBox="1">
-            <a:spLocks noGrp="1"/>
-          </p:cNvSpPr>
-          <p:nvPr>
-            <p:ph type="title"/>
-          </p:nvPr>
-        </p:nvSpPr>
-        <p:spPr>
-          <a:xfrm>
-            <a:off x="1463040" y="975360"/>
-            <a:ext cx="10241280" cy="2113280"/>
-          </a:xfrm>
-        </p:spPr>
-        <p:txBody>
-          <a:bodyPr/>
-          <a:lstStyle/>
-          <a:p>
-            <a:r>
-              <a:rPr lang="en-US"/>
-              <a:t>Aftertouch</a:t>
-            </a:r>
-          </a:p>
-        </p:txBody>
-      </p:sp>
-      <p:sp>
-        <p:nvSpPr>
-          <p:cNvPr id="207" name="Aftertouch = $Ax $kk $vv…"/>
-          <p:cNvSpPr txBox="1">
-            <a:spLocks noGrp="1"/>
-          </p:cNvSpPr>
-          <p:nvPr>
-            <p:ph type="body" idx="1"/>
-          </p:nvPr>
-        </p:nvSpPr>
-        <p:spPr>
-          <a:xfrm>
-            <a:off x="1270000" y="2768600"/>
-            <a:ext cx="10464800" cy="5715000"/>
-          </a:xfrm>
-        </p:spPr>
-        <p:txBody>
-          <a:bodyPr/>
-          <a:lstStyle/>
-          <a:p>
-            <a:r>
-              <a:rPr lang="en-US"/>
-              <a:t>Aftertouch = $Ax $kk $vv</a:t>
-            </a:r>
-          </a:p>
-          <a:p>
-            <a:pPr lvl="1"/>
-            <a:r>
-              <a:rPr lang="en-US"/>
-              <a:t>x = channel number</a:t>
-            </a:r>
-          </a:p>
-          <a:p>
-            <a:pPr lvl="1"/>
-            <a:r>
-              <a:rPr lang="en-US"/>
-              <a:t>kk = key number</a:t>
-            </a:r>
-          </a:p>
-          <a:p>
-            <a:pPr lvl="1"/>
-            <a:r>
-              <a:rPr lang="en-US"/>
-              <a:t>vv = velocity</a:t>
-            </a:r>
-          </a:p>
-        </p:txBody>
-      </p:sp>
-    </p:spTree>
-  </p:cSld>
-  <p:clrMapOvr>
-    <a:masterClrMapping/>
-  </p:clrMapOvr>
-  <mc:AlternateContent xmlns:mc="http://schemas.openxmlformats.org/markup-compatibility/2006" xmlns:p14="http://schemas.microsoft.com/office/powerpoint/2010/main">
-    <mc:Choice Requires="p14">
-      <p:transition p14:dur="0"/>
-    </mc:Choice>
-    <mc:Fallback xmlns="">
-      <p:transition/>
-    </mc:Fallback>
-  </mc:AlternateContent>
-</p:sld>
-</file>
-
-<file path=ppt/slides/slide22.xml><?xml version="1.0" encoding="utf-8"?>
-<p:sld xmlns:a="http://schemas.openxmlformats.org/drawingml/2006/main" xmlns:r="http://schemas.openxmlformats.org/officeDocument/2006/relationships" xmlns:p="http://schemas.openxmlformats.org/presentationml/2006/main">
-  <p:cSld>
-    <p:spTree>
-      <p:nvGrpSpPr>
-        <p:cNvPr id="1" name=""/>
-        <p:cNvGrpSpPr/>
-        <p:nvPr/>
-      </p:nvGrpSpPr>
-      <p:grpSpPr>
-        <a:xfrm>
-          <a:off x="0" y="0"/>
-          <a:ext cx="0" cy="0"/>
-          <a:chOff x="0" y="0"/>
-          <a:chExt cx="0" cy="0"/>
-        </a:xfrm>
-      </p:grpSpPr>
-      <p:sp>
-        <p:nvSpPr>
-          <p:cNvPr id="209" name="Continuous Control"/>
-          <p:cNvSpPr txBox="1">
-            <a:spLocks noGrp="1"/>
-          </p:cNvSpPr>
-          <p:nvPr>
-            <p:ph type="title"/>
-          </p:nvPr>
-        </p:nvSpPr>
-        <p:spPr>
-          <a:xfrm>
-            <a:off x="1463040" y="975360"/>
-            <a:ext cx="10241280" cy="2113280"/>
-          </a:xfrm>
-        </p:spPr>
-        <p:txBody>
-          <a:bodyPr/>
-          <a:lstStyle/>
-          <a:p>
-            <a:r>
-              <a:rPr lang="en-US"/>
-              <a:t>Continuous Control</a:t>
-            </a:r>
-          </a:p>
-        </p:txBody>
-      </p:sp>
-      <p:sp>
-        <p:nvSpPr>
-          <p:cNvPr id="210" name="Control change = $Bx $cc $vv…"/>
-          <p:cNvSpPr txBox="1">
-            <a:spLocks noGrp="1"/>
-          </p:cNvSpPr>
-          <p:nvPr>
-            <p:ph type="body" idx="1"/>
-          </p:nvPr>
-        </p:nvSpPr>
-        <p:spPr>
-          <a:xfrm>
-            <a:off x="1270000" y="2768600"/>
-            <a:ext cx="10464800" cy="5715000"/>
-          </a:xfrm>
-        </p:spPr>
-        <p:txBody>
-          <a:bodyPr/>
-          <a:lstStyle/>
-          <a:p>
-            <a:r>
-              <a:rPr lang="en-US"/>
-              <a:t>Control change = $Bx $cc $vv</a:t>
-            </a:r>
-          </a:p>
-          <a:p>
-            <a:pPr lvl="1"/>
-            <a:r>
-              <a:rPr lang="en-US"/>
-              <a:t>x = channel number</a:t>
-            </a:r>
-          </a:p>
-          <a:p>
-            <a:pPr lvl="1"/>
-            <a:r>
-              <a:rPr lang="en-US"/>
-              <a:t>cc = controller (0 - 119)</a:t>
-            </a:r>
-          </a:p>
-          <a:p>
-            <a:pPr lvl="1"/>
-            <a:r>
-              <a:rPr lang="en-US"/>
-              <a:t>vv = control value</a:t>
-            </a:r>
-          </a:p>
-          <a:p>
-            <a:r>
-              <a:rPr lang="en-US"/>
-              <a:t>Used to change synthesis parameters during execution (i.e. vibrato, timbre shift)</a:t>
-            </a:r>
-          </a:p>
-        </p:txBody>
-      </p:sp>
-    </p:spTree>
-  </p:cSld>
-  <p:clrMapOvr>
-    <a:masterClrMapping/>
-  </p:clrMapOvr>
-  <mc:AlternateContent xmlns:mc="http://schemas.openxmlformats.org/markup-compatibility/2006" xmlns:p14="http://schemas.microsoft.com/office/powerpoint/2010/main">
-    <mc:Choice Requires="p14">
-      <p:transition p14:dur="0"/>
-    </mc:Choice>
-    <mc:Fallback xmlns="">
-      <p:transition/>
-    </mc:Fallback>
-  </mc:AlternateContent>
-</p:sld>
-</file>
-
-<file path=ppt/slides/slide23.xml><?xml version="1.0" encoding="utf-8"?>
-<p:sld xmlns:a="http://schemas.openxmlformats.org/drawingml/2006/main" xmlns:r="http://schemas.openxmlformats.org/officeDocument/2006/relationships" xmlns:p="http://schemas.openxmlformats.org/presentationml/2006/main">
-  <p:cSld>
-    <p:spTree>
-      <p:nvGrpSpPr>
-        <p:cNvPr id="1" name=""/>
-        <p:cNvGrpSpPr/>
-        <p:nvPr/>
-      </p:nvGrpSpPr>
-      <p:grpSpPr>
-        <a:xfrm>
-          <a:off x="0" y="0"/>
-          <a:ext cx="0" cy="0"/>
-          <a:chOff x="0" y="0"/>
-          <a:chExt cx="0" cy="0"/>
-        </a:xfrm>
-      </p:grpSpPr>
-      <p:sp>
-        <p:nvSpPr>
-          <p:cNvPr id="212" name="Program Change"/>
-          <p:cNvSpPr txBox="1">
-            <a:spLocks noGrp="1"/>
-          </p:cNvSpPr>
-          <p:nvPr>
-            <p:ph type="title"/>
-          </p:nvPr>
-        </p:nvSpPr>
-        <p:spPr>
-          <a:xfrm>
-            <a:off x="1463040" y="975360"/>
-            <a:ext cx="10241280" cy="2113280"/>
-          </a:xfrm>
-        </p:spPr>
-        <p:txBody>
-          <a:bodyPr/>
-          <a:lstStyle/>
-          <a:p>
-            <a:r>
-              <a:rPr lang="en-US"/>
-              <a:t>Program Change</a:t>
-            </a:r>
-          </a:p>
-        </p:txBody>
-      </p:sp>
-      <p:sp>
-        <p:nvSpPr>
-          <p:cNvPr id="213" name="Program Change = $Cx $pp…"/>
-          <p:cNvSpPr txBox="1">
-            <a:spLocks noGrp="1"/>
-          </p:cNvSpPr>
-          <p:nvPr>
-            <p:ph type="body" idx="1"/>
-          </p:nvPr>
-        </p:nvSpPr>
-        <p:spPr>
-          <a:xfrm>
-            <a:off x="1270000" y="2768600"/>
-            <a:ext cx="10464800" cy="5715000"/>
-          </a:xfrm>
-        </p:spPr>
-        <p:txBody>
-          <a:bodyPr/>
-          <a:lstStyle/>
-          <a:p>
-            <a:r>
-              <a:rPr lang="en-US"/>
-              <a:t>Program Change = $Cx $pp</a:t>
-            </a:r>
-          </a:p>
-          <a:p>
-            <a:pPr lvl="1"/>
-            <a:r>
-              <a:rPr lang="en-US"/>
-              <a:t>x = channel number</a:t>
-            </a:r>
-          </a:p>
-          <a:p>
-            <a:pPr lvl="1"/>
-            <a:r>
-              <a:rPr lang="en-US"/>
-              <a:t>pp = program number</a:t>
-            </a:r>
-          </a:p>
-          <a:p>
-            <a:r>
-              <a:rPr lang="en-US"/>
-              <a:t>Recall saved synthesis patch to synthesizer</a:t>
-            </a:r>
-          </a:p>
-        </p:txBody>
-      </p:sp>
-    </p:spTree>
-  </p:cSld>
-  <p:clrMapOvr>
-    <a:masterClrMapping/>
-  </p:clrMapOvr>
-  <mc:AlternateContent xmlns:mc="http://schemas.openxmlformats.org/markup-compatibility/2006" xmlns:p14="http://schemas.microsoft.com/office/powerpoint/2010/main">
-    <mc:Choice Requires="p14">
-      <p:transition p14:dur="0"/>
-    </mc:Choice>
-    <mc:Fallback xmlns="">
-      <p:transition/>
-    </mc:Fallback>
-  </mc:AlternateContent>
-</p:sld>
-</file>
-
-<file path=ppt/slides/slide24.xml><?xml version="1.0" encoding="utf-8"?>
-<p:sld xmlns:a="http://schemas.openxmlformats.org/drawingml/2006/main" xmlns:r="http://schemas.openxmlformats.org/officeDocument/2006/relationships" xmlns:p="http://schemas.openxmlformats.org/presentationml/2006/main">
-  <p:cSld>
-    <p:spTree>
-      <p:nvGrpSpPr>
-        <p:cNvPr id="1" name=""/>
-        <p:cNvGrpSpPr/>
-        <p:nvPr/>
-      </p:nvGrpSpPr>
-      <p:grpSpPr>
-        <a:xfrm>
-          <a:off x="0" y="0"/>
-          <a:ext cx="0" cy="0"/>
-          <a:chOff x="0" y="0"/>
-          <a:chExt cx="0" cy="0"/>
-        </a:xfrm>
-      </p:grpSpPr>
-      <p:sp>
-        <p:nvSpPr>
-          <p:cNvPr id="215" name="Pitch Bend"/>
-          <p:cNvSpPr txBox="1">
-            <a:spLocks noGrp="1"/>
-          </p:cNvSpPr>
-          <p:nvPr>
-            <p:ph type="title"/>
-          </p:nvPr>
-        </p:nvSpPr>
-        <p:spPr>
-          <a:prstGeom prst="rect">
-            <a:avLst/>
-          </a:prstGeom>
-        </p:spPr>
-        <p:txBody>
-          <a:bodyPr/>
-          <a:lstStyle/>
-          <a:p>
-            <a:r>
-              <a:t>Pitch Bend</a:t>
-            </a:r>
-          </a:p>
-        </p:txBody>
-      </p:sp>
-      <p:sp>
-        <p:nvSpPr>
-          <p:cNvPr id="216" name="Pitch bend = $Dx $aa $bb…"/>
-          <p:cNvSpPr txBox="1">
-            <a:spLocks noGrp="1"/>
-          </p:cNvSpPr>
-          <p:nvPr>
-            <p:ph type="body" idx="1"/>
-          </p:nvPr>
-        </p:nvSpPr>
-        <p:spPr>
-          <a:prstGeom prst="rect">
-            <a:avLst/>
-          </a:prstGeom>
-        </p:spPr>
-        <p:txBody>
-          <a:bodyPr/>
-          <a:lstStyle/>
-          <a:p>
-            <a:r>
-              <a:t>Pitch bend = $Dx $aa $bb</a:t>
-            </a:r>
-          </a:p>
-          <a:p>
-            <a:pPr lvl="1"/>
-            <a:r>
-              <a:t>14-bit number up or down</a:t>
-            </a:r>
-          </a:p>
-          <a:p>
-            <a:pPr lvl="1"/>
-            <a:r>
-              <a:t>$aa = least significant byte ($00 - $EF)</a:t>
-            </a:r>
-          </a:p>
-          <a:p>
-            <a:pPr lvl="1"/>
-            <a:r>
-              <a:t>$bb = most significant byte ($00 - $EF)</a:t>
-            </a:r>
-          </a:p>
-          <a:p>
-            <a:pPr lvl="1"/>
-            <a:r>
-              <a:t>Pitch bend value = $bbaa</a:t>
-            </a:r>
-          </a:p>
-        </p:txBody>
-      </p:sp>
-    </p:spTree>
-  </p:cSld>
-  <p:clrMapOvr>
-    <a:masterClrMapping/>
-  </p:clrMapOvr>
-  <mc:AlternateContent xmlns:mc="http://schemas.openxmlformats.org/markup-compatibility/2006" xmlns:p14="http://schemas.microsoft.com/office/powerpoint/2010/main">
-    <mc:Choice Requires="p14">
-      <p:transition p14:dur="0"/>
-    </mc:Choice>
-    <mc:Fallback xmlns="">
-      <p:transition/>
-    </mc:Fallback>
-  </mc:AlternateContent>
-</p:sld>
-</file>
-
-<file path=ppt/slides/slide25.xml><?xml version="1.0" encoding="utf-8"?>
-<p:sld xmlns:a="http://schemas.openxmlformats.org/drawingml/2006/main" xmlns:r="http://schemas.openxmlformats.org/officeDocument/2006/relationships" xmlns:p="http://schemas.openxmlformats.org/presentationml/2006/main">
-  <p:cSld>
-    <p:spTree>
-      <p:nvGrpSpPr>
-        <p:cNvPr id="1" name=""/>
-        <p:cNvGrpSpPr/>
-        <p:nvPr/>
-      </p:nvGrpSpPr>
-      <p:grpSpPr>
-        <a:xfrm>
-          <a:off x="0" y="0"/>
-          <a:ext cx="0" cy="0"/>
-          <a:chOff x="0" y="0"/>
-          <a:chExt cx="0" cy="0"/>
-        </a:xfrm>
-      </p:grpSpPr>
-      <p:sp>
-        <p:nvSpPr>
-          <p:cNvPr id="218" name="System Exclusive"/>
-          <p:cNvSpPr txBox="1">
-            <a:spLocks noGrp="1"/>
-          </p:cNvSpPr>
-          <p:nvPr>
-            <p:ph type="title"/>
-          </p:nvPr>
-        </p:nvSpPr>
-        <p:spPr>
-          <a:prstGeom prst="rect">
-            <a:avLst/>
-          </a:prstGeom>
-        </p:spPr>
-        <p:txBody>
-          <a:bodyPr/>
-          <a:lstStyle/>
-          <a:p>
-            <a:r>
-              <a:t>System Exclusive</a:t>
-            </a:r>
-          </a:p>
-        </p:txBody>
-      </p:sp>
-      <p:sp>
-        <p:nvSpPr>
-          <p:cNvPr id="219" name="System Exclusive…"/>
-          <p:cNvSpPr txBox="1">
-            <a:spLocks noGrp="1"/>
-          </p:cNvSpPr>
-          <p:nvPr>
-            <p:ph type="body" idx="1"/>
-          </p:nvPr>
-        </p:nvSpPr>
-        <p:spPr>
-          <a:prstGeom prst="rect">
-            <a:avLst/>
-          </a:prstGeom>
-        </p:spPr>
-        <p:txBody>
-          <a:bodyPr/>
-          <a:lstStyle/>
-          <a:p>
-            <a:r>
-              <a:rPr dirty="0"/>
-              <a:t>System Exclusive</a:t>
-            </a:r>
-          </a:p>
-          <a:p>
-            <a:r>
-              <a:rPr dirty="0"/>
-              <a:t>End of Exclusive Message</a:t>
-            </a:r>
-          </a:p>
-          <a:p>
-            <a:r>
-              <a:rPr dirty="0"/>
-              <a:t>Sends manufacturer-specific information to the synthesizer</a:t>
-            </a:r>
-          </a:p>
-        </p:txBody>
-      </p:sp>
-    </p:spTree>
-  </p:cSld>
-  <p:clrMapOvr>
-    <a:masterClrMapping/>
-  </p:clrMapOvr>
-  <mc:AlternateContent xmlns:mc="http://schemas.openxmlformats.org/markup-compatibility/2006" xmlns:p14="http://schemas.microsoft.com/office/powerpoint/2010/main">
-    <mc:Choice Requires="p14">
-      <p:transition p14:dur="0"/>
-    </mc:Choice>
-    <mc:Fallback xmlns="">
-      <p:transition/>
-    </mc:Fallback>
-  </mc:AlternateContent>
-</p:sld>
-</file>
-
-<file path=ppt/slides/slide26.xml><?xml version="1.0" encoding="utf-8"?>
-<p:sld xmlns:a="http://schemas.openxmlformats.org/drawingml/2006/main" xmlns:r="http://schemas.openxmlformats.org/officeDocument/2006/relationships" xmlns:p="http://schemas.openxmlformats.org/presentationml/2006/main">
-  <p:cSld>
-    <p:spTree>
-      <p:nvGrpSpPr>
-        <p:cNvPr id="1" name=""/>
-        <p:cNvGrpSpPr/>
-        <p:nvPr/>
-      </p:nvGrpSpPr>
-      <p:grpSpPr>
-        <a:xfrm>
-          <a:off x="0" y="0"/>
-          <a:ext cx="0" cy="0"/>
-          <a:chOff x="0" y="0"/>
-          <a:chExt cx="0" cy="0"/>
-        </a:xfrm>
-      </p:grpSpPr>
-      <p:sp>
-        <p:nvSpPr>
-          <p:cNvPr id="221" name="Real-time Messages"/>
-          <p:cNvSpPr txBox="1">
-            <a:spLocks noGrp="1"/>
-          </p:cNvSpPr>
-          <p:nvPr>
-            <p:ph type="title"/>
-          </p:nvPr>
-        </p:nvSpPr>
-        <p:spPr>
-          <a:xfrm>
-            <a:off x="1463040" y="975360"/>
-            <a:ext cx="10241280" cy="2113280"/>
-          </a:xfrm>
-        </p:spPr>
-        <p:txBody>
-          <a:bodyPr/>
-          <a:lstStyle/>
-          <a:p>
-            <a:r>
-              <a:rPr lang="en-US"/>
-              <a:t>Real-time Messages</a:t>
-            </a:r>
-          </a:p>
-        </p:txBody>
-      </p:sp>
-      <p:sp>
-        <p:nvSpPr>
-          <p:cNvPr id="222" name="Timing Clock - $F7…"/>
-          <p:cNvSpPr txBox="1">
-            <a:spLocks noGrp="1"/>
-          </p:cNvSpPr>
-          <p:nvPr>
-            <p:ph type="body" idx="1"/>
-          </p:nvPr>
-        </p:nvSpPr>
-        <p:spPr>
-          <a:xfrm>
-            <a:off x="1270000" y="2768600"/>
-            <a:ext cx="10464800" cy="5715000"/>
-          </a:xfrm>
-        </p:spPr>
-        <p:txBody>
-          <a:bodyPr>
-            <a:normAutofit/>
-          </a:bodyPr>
-          <a:lstStyle/>
-          <a:p>
-            <a:r>
-              <a:rPr lang="en-US" dirty="0"/>
-              <a:t>Timing Clock - $F7</a:t>
-            </a:r>
-          </a:p>
-          <a:p>
-            <a:pPr lvl="1"/>
-            <a:r>
-              <a:rPr lang="en-US" dirty="0"/>
-              <a:t>24 times per quarter note when in synch mode</a:t>
-            </a:r>
-          </a:p>
-          <a:p>
-            <a:r>
-              <a:rPr lang="en-US" dirty="0"/>
-              <a:t>Active Sensing - $FE</a:t>
-            </a:r>
-          </a:p>
-          <a:p>
-            <a:pPr lvl="1"/>
-            <a:r>
-              <a:rPr lang="en-US" dirty="0"/>
-              <a:t>sent up to 300 </a:t>
-            </a:r>
-            <a:r>
-              <a:rPr lang="en-US" dirty="0" err="1"/>
-              <a:t>ms</a:t>
-            </a:r>
-            <a:r>
-              <a:rPr lang="en-US" dirty="0"/>
-              <a:t> apart</a:t>
-            </a:r>
-          </a:p>
-          <a:p>
-            <a:r>
-              <a:rPr lang="en-US" dirty="0"/>
-              <a:t>Reset - $FF</a:t>
-            </a:r>
-          </a:p>
-          <a:p>
-            <a:pPr lvl="1"/>
-            <a:r>
-              <a:rPr lang="en-US" dirty="0"/>
-              <a:t>Return all values to zero</a:t>
-            </a:r>
-          </a:p>
-        </p:txBody>
-      </p:sp>
-    </p:spTree>
-  </p:cSld>
-  <p:clrMapOvr>
-    <a:masterClrMapping/>
-  </p:clrMapOvr>
-  <mc:AlternateContent xmlns:mc="http://schemas.openxmlformats.org/markup-compatibility/2006" xmlns:p14="http://schemas.microsoft.com/office/powerpoint/2010/main">
-    <mc:Choice Requires="p14">
-      <p:transition p14:dur="0"/>
-    </mc:Choice>
-    <mc:Fallback xmlns="">
-      <p:transition/>
-    </mc:Fallback>
-  </mc:AlternateContent>
-</p:sld>
-</file>
-
-<file path=ppt/slides/slide27.xml><?xml version="1.0" encoding="utf-8"?>
-<p:sld xmlns:a="http://schemas.openxmlformats.org/drawingml/2006/main" xmlns:r="http://schemas.openxmlformats.org/officeDocument/2006/relationships" xmlns:p="http://schemas.openxmlformats.org/presentationml/2006/main">
-  <p:cSld>
-    <p:spTree>
-      <p:nvGrpSpPr>
-        <p:cNvPr id="1" name=""/>
-        <p:cNvGrpSpPr/>
-        <p:nvPr/>
-      </p:nvGrpSpPr>
-      <p:grpSpPr>
-        <a:xfrm>
-          <a:off x="0" y="0"/>
-          <a:ext cx="0" cy="0"/>
-          <a:chOff x="0" y="0"/>
-          <a:chExt cx="0" cy="0"/>
-        </a:xfrm>
-      </p:grpSpPr>
-      <p:sp>
-        <p:nvSpPr>
-          <p:cNvPr id="224" name="Max Objects"/>
-          <p:cNvSpPr txBox="1">
-            <a:spLocks noGrp="1"/>
-          </p:cNvSpPr>
-          <p:nvPr>
-            <p:ph type="title"/>
-          </p:nvPr>
-        </p:nvSpPr>
-        <p:spPr>
-          <a:prstGeom prst="rect">
-            <a:avLst/>
-          </a:prstGeom>
-        </p:spPr>
-        <p:txBody>
-          <a:bodyPr/>
-          <a:lstStyle/>
-          <a:p>
-            <a:r>
-              <a:rPr lang="en-US" dirty="0"/>
-              <a:t>MIDI &amp; </a:t>
-            </a:r>
-            <a:r>
-              <a:rPr lang="en-US" dirty="0" err="1"/>
-              <a:t>Csound</a:t>
-            </a:r>
-            <a:endParaRPr dirty="0"/>
-          </a:p>
-        </p:txBody>
-      </p:sp>
-      <p:sp>
-        <p:nvSpPr>
-          <p:cNvPr id="225" name="midiin, midiout - raw midi data…"/>
-          <p:cNvSpPr txBox="1">
-            <a:spLocks noGrp="1"/>
-          </p:cNvSpPr>
-          <p:nvPr>
-            <p:ph type="body" idx="1"/>
-          </p:nvPr>
-        </p:nvSpPr>
-        <p:spPr>
-          <a:prstGeom prst="rect">
-            <a:avLst/>
-          </a:prstGeom>
-        </p:spPr>
-        <p:txBody>
-          <a:bodyPr/>
-          <a:lstStyle/>
-          <a:p>
-            <a:r>
-              <a:rPr lang="en-US" dirty="0"/>
-              <a:t>MIDI is a universal protocol and can be used with </a:t>
-            </a:r>
-            <a:r>
-              <a:rPr lang="en-US" dirty="0" err="1"/>
-              <a:t>Csound</a:t>
-            </a:r>
-            <a:endParaRPr lang="en-US" dirty="0"/>
-          </a:p>
-          <a:p>
-            <a:r>
-              <a:rPr lang="en-US" dirty="0" err="1"/>
-              <a:t>Csound</a:t>
-            </a:r>
-            <a:r>
-              <a:rPr lang="en-US" dirty="0"/>
-              <a:t> can</a:t>
-            </a:r>
-          </a:p>
-          <a:p>
-            <a:pPr lvl="1"/>
-            <a:r>
-              <a:rPr lang="en-US" dirty="0"/>
-              <a:t>Read MIDI files to control its virtual synthesizers</a:t>
-            </a:r>
-          </a:p>
-          <a:p>
-            <a:pPr lvl="1"/>
-            <a:r>
-              <a:rPr lang="en-US" dirty="0"/>
-              <a:t>Use MIDI representation as score values</a:t>
-            </a:r>
-          </a:p>
-          <a:p>
-            <a:pPr lvl="1"/>
-            <a:r>
-              <a:rPr lang="en-US" dirty="0"/>
-              <a:t>Send MIDI information to other applications or off-board synthesizers (but why?)</a:t>
-            </a:r>
-          </a:p>
-          <a:p>
-            <a:pPr marL="0" indent="0">
-              <a:buNone/>
-            </a:pPr>
-            <a:endParaRPr dirty="0"/>
-          </a:p>
-        </p:txBody>
-      </p:sp>
-    </p:spTree>
-  </p:cSld>
-  <p:clrMapOvr>
-    <a:masterClrMapping/>
-  </p:clrMapOvr>
-  <mc:AlternateContent xmlns:mc="http://schemas.openxmlformats.org/markup-compatibility/2006" xmlns:p14="http://schemas.microsoft.com/office/powerpoint/2010/main">
-    <mc:Choice Requires="p14">
-      <p:transition p14:dur="0"/>
-    </mc:Choice>
-    <mc:Fallback xmlns="">
-      <p:transition/>
-    </mc:Fallback>
-  </mc:AlternateContent>
-</p:sld>
-</file>
-
 <file path=ppt/slides/slide3.xml><?xml version="1.0" encoding="utf-8"?>
 <p:sld xmlns:a="http://schemas.openxmlformats.org/drawingml/2006/main" xmlns:r="http://schemas.openxmlformats.org/officeDocument/2006/relationships" xmlns:p="http://schemas.openxmlformats.org/presentationml/2006/main">
   <p:cSld>
@@ -9298,7 +8382,15 @@
           <a:p>
             <a:r>
               <a:rPr dirty="0"/>
-              <a:t>A little history of digital instruments in necessary</a:t>
+              <a:t>A little history of digital instruments i</a:t>
+            </a:r>
+            <a:r>
+              <a:rPr lang="en-US" dirty="0"/>
+              <a:t>s</a:t>
+            </a:r>
+            <a:r>
+              <a:rPr dirty="0"/>
+              <a:t> necessary</a:t>
             </a:r>
             <a:endParaRPr lang="en-US" dirty="0"/>
           </a:p>
